--- a/Later/Java_Networking/1/What is networking_V2.pptx
+++ b/Later/Java_Networking/1/What is networking_V2.pptx
@@ -192,7 +192,7 @@
           <a:p>
             <a:fld id="{62274EC6-3890-417B-9308-14EFBD00FA63}" type="datetimeFigureOut">
               <a:rPr lang="en-US" smtClean="0"/>
-              <a:t>7/19/2018</a:t>
+              <a:t>7/24/2018</a:t>
             </a:fld>
             <a:endParaRPr lang="en-US" dirty="0"/>
           </a:p>
@@ -731,7 +731,7 @@
             <a:fld id="{1D8BD707-D9CF-40AE-B4C6-C98DA3205C09}" type="datetimeFigureOut">
               <a:rPr lang="en-US" smtClean="0"/>
               <a:pPr/>
-              <a:t>7/19/2018</a:t>
+              <a:t>7/24/2018</a:t>
             </a:fld>
             <a:endParaRPr lang="en-US" dirty="0"/>
           </a:p>
@@ -903,7 +903,7 @@
             <a:fld id="{1D8BD707-D9CF-40AE-B4C6-C98DA3205C09}" type="datetimeFigureOut">
               <a:rPr lang="en-US" smtClean="0"/>
               <a:pPr/>
-              <a:t>7/19/2018</a:t>
+              <a:t>7/24/2018</a:t>
             </a:fld>
             <a:endParaRPr lang="en-US" dirty="0"/>
           </a:p>
@@ -1085,7 +1085,7 @@
             <a:fld id="{1D8BD707-D9CF-40AE-B4C6-C98DA3205C09}" type="datetimeFigureOut">
               <a:rPr lang="en-US" smtClean="0"/>
               <a:pPr/>
-              <a:t>7/19/2018</a:t>
+              <a:t>7/24/2018</a:t>
             </a:fld>
             <a:endParaRPr lang="en-US" dirty="0"/>
           </a:p>
@@ -1257,7 +1257,7 @@
             <a:fld id="{1D8BD707-D9CF-40AE-B4C6-C98DA3205C09}" type="datetimeFigureOut">
               <a:rPr lang="en-US" smtClean="0"/>
               <a:pPr/>
-              <a:t>7/19/2018</a:t>
+              <a:t>7/24/2018</a:t>
             </a:fld>
             <a:endParaRPr lang="en-US" dirty="0"/>
           </a:p>
@@ -1505,7 +1505,7 @@
             <a:fld id="{1D8BD707-D9CF-40AE-B4C6-C98DA3205C09}" type="datetimeFigureOut">
               <a:rPr lang="en-US" smtClean="0"/>
               <a:pPr/>
-              <a:t>7/19/2018</a:t>
+              <a:t>7/24/2018</a:t>
             </a:fld>
             <a:endParaRPr lang="en-US" dirty="0"/>
           </a:p>
@@ -1795,7 +1795,7 @@
             <a:fld id="{1D8BD707-D9CF-40AE-B4C6-C98DA3205C09}" type="datetimeFigureOut">
               <a:rPr lang="en-US" smtClean="0"/>
               <a:pPr/>
-              <a:t>7/19/2018</a:t>
+              <a:t>7/24/2018</a:t>
             </a:fld>
             <a:endParaRPr lang="en-US" dirty="0"/>
           </a:p>
@@ -2224,7 +2224,7 @@
             <a:fld id="{1D8BD707-D9CF-40AE-B4C6-C98DA3205C09}" type="datetimeFigureOut">
               <a:rPr lang="en-US" smtClean="0"/>
               <a:pPr/>
-              <a:t>7/19/2018</a:t>
+              <a:t>7/24/2018</a:t>
             </a:fld>
             <a:endParaRPr lang="en-US" dirty="0"/>
           </a:p>
@@ -2344,7 +2344,7 @@
             <a:fld id="{1D8BD707-D9CF-40AE-B4C6-C98DA3205C09}" type="datetimeFigureOut">
               <a:rPr lang="en-US" smtClean="0"/>
               <a:pPr/>
-              <a:t>7/19/2018</a:t>
+              <a:t>7/24/2018</a:t>
             </a:fld>
             <a:endParaRPr lang="en-US" dirty="0"/>
           </a:p>
@@ -2441,7 +2441,7 @@
             <a:fld id="{1D8BD707-D9CF-40AE-B4C6-C98DA3205C09}" type="datetimeFigureOut">
               <a:rPr lang="en-US" smtClean="0"/>
               <a:pPr/>
-              <a:t>7/19/2018</a:t>
+              <a:t>7/24/2018</a:t>
             </a:fld>
             <a:endParaRPr lang="en-US" dirty="0"/>
           </a:p>
@@ -2720,7 +2720,7 @@
             <a:fld id="{1D8BD707-D9CF-40AE-B4C6-C98DA3205C09}" type="datetimeFigureOut">
               <a:rPr lang="en-US" smtClean="0"/>
               <a:pPr/>
-              <a:t>7/19/2018</a:t>
+              <a:t>7/24/2018</a:t>
             </a:fld>
             <a:endParaRPr lang="en-US" dirty="0"/>
           </a:p>
@@ -2975,7 +2975,7 @@
             <a:fld id="{1D8BD707-D9CF-40AE-B4C6-C98DA3205C09}" type="datetimeFigureOut">
               <a:rPr lang="en-US" smtClean="0"/>
               <a:pPr/>
-              <a:t>7/19/2018</a:t>
+              <a:t>7/24/2018</a:t>
             </a:fld>
             <a:endParaRPr lang="en-US" dirty="0"/>
           </a:p>
@@ -3190,7 +3190,7 @@
             <a:fld id="{1D8BD707-D9CF-40AE-B4C6-C98DA3205C09}" type="datetimeFigureOut">
               <a:rPr lang="en-US" smtClean="0"/>
               <a:pPr/>
-              <a:t>7/19/2018</a:t>
+              <a:t>7/24/2018</a:t>
             </a:fld>
             <a:endParaRPr lang="en-US" dirty="0"/>
           </a:p>
@@ -3612,53 +3612,6 @@
       </p:sp>
       <p:sp>
         <p:nvSpPr>
-          <p:cNvPr id="17" name="Rectangle 16"/>
-          <p:cNvSpPr/>
-          <p:nvPr/>
-        </p:nvSpPr>
-        <p:spPr>
-          <a:xfrm>
-            <a:off x="3763962" y="27801"/>
-            <a:ext cx="1570037" cy="276999"/>
-          </a:xfrm>
-          <a:prstGeom prst="rect">
-            <a:avLst/>
-          </a:prstGeom>
-        </p:spPr>
-        <p:style>
-          <a:lnRef idx="1">
-            <a:schemeClr val="accent4"/>
-          </a:lnRef>
-          <a:fillRef idx="3">
-            <a:schemeClr val="accent4"/>
-          </a:fillRef>
-          <a:effectRef idx="2">
-            <a:schemeClr val="accent4"/>
-          </a:effectRef>
-          <a:fontRef idx="minor">
-            <a:schemeClr val="lt1"/>
-          </a:fontRef>
-        </p:style>
-        <p:txBody>
-          <a:bodyPr wrap="square">
-            <a:spAutoFit/>
-          </a:bodyPr>
-          <a:lstStyle/>
-          <a:p>
-            <a:pPr algn="ctr"/>
-            <a:r>
-              <a:rPr lang="en-US" sz="1200" dirty="0" smtClean="0"/>
-              <a:t>What </a:t>
-            </a:r>
-            <a:r>
-              <a:rPr lang="en-US" sz="1200" dirty="0"/>
-              <a:t>is networking</a:t>
-            </a:r>
-          </a:p>
-        </p:txBody>
-      </p:sp>
-      <p:sp>
-        <p:nvSpPr>
           <p:cNvPr id="2" name="AutoShape 2" descr="Image result for file"/>
           <p:cNvSpPr>
             <a:spLocks noChangeAspect="1" noChangeArrowheads="1"/>
@@ -3879,6 +3832,152 @@
           </a:extLst>
         </p:spPr>
       </p:pic>
+      <p:sp>
+        <p:nvSpPr>
+          <p:cNvPr id="9" name="Rectangle 8"/>
+          <p:cNvSpPr/>
+          <p:nvPr/>
+        </p:nvSpPr>
+        <p:spPr>
+          <a:xfrm>
+            <a:off x="3429000" y="35738"/>
+            <a:ext cx="2103438" cy="276999"/>
+          </a:xfrm>
+          <a:prstGeom prst="rect">
+            <a:avLst/>
+          </a:prstGeom>
+        </p:spPr>
+        <p:style>
+          <a:lnRef idx="1">
+            <a:schemeClr val="accent4"/>
+          </a:lnRef>
+          <a:fillRef idx="3">
+            <a:schemeClr val="accent4"/>
+          </a:fillRef>
+          <a:effectRef idx="2">
+            <a:schemeClr val="accent4"/>
+          </a:effectRef>
+          <a:fontRef idx="minor">
+            <a:schemeClr val="lt1"/>
+          </a:fontRef>
+        </p:style>
+        <p:txBody>
+          <a:bodyPr wrap="square">
+            <a:spAutoFit/>
+          </a:bodyPr>
+          <a:lstStyle>
+            <a:defPPr>
+              <a:defRPr lang="en-US"/>
+            </a:defPPr>
+            <a:lvl1pPr marL="0" algn="l" defTabSz="914400" rtl="0" eaLnBrk="1" latinLnBrk="0" hangingPunct="1">
+              <a:defRPr sz="1800" kern="1200">
+                <a:solidFill>
+                  <a:schemeClr val="lt1"/>
+                </a:solidFill>
+                <a:latin typeface="+mn-lt"/>
+                <a:ea typeface="+mn-ea"/>
+                <a:cs typeface="+mn-cs"/>
+              </a:defRPr>
+            </a:lvl1pPr>
+            <a:lvl2pPr marL="457200" algn="l" defTabSz="914400" rtl="0" eaLnBrk="1" latinLnBrk="0" hangingPunct="1">
+              <a:defRPr sz="1800" kern="1200">
+                <a:solidFill>
+                  <a:schemeClr val="lt1"/>
+                </a:solidFill>
+                <a:latin typeface="+mn-lt"/>
+                <a:ea typeface="+mn-ea"/>
+                <a:cs typeface="+mn-cs"/>
+              </a:defRPr>
+            </a:lvl2pPr>
+            <a:lvl3pPr marL="914400" algn="l" defTabSz="914400" rtl="0" eaLnBrk="1" latinLnBrk="0" hangingPunct="1">
+              <a:defRPr sz="1800" kern="1200">
+                <a:solidFill>
+                  <a:schemeClr val="lt1"/>
+                </a:solidFill>
+                <a:latin typeface="+mn-lt"/>
+                <a:ea typeface="+mn-ea"/>
+                <a:cs typeface="+mn-cs"/>
+              </a:defRPr>
+            </a:lvl3pPr>
+            <a:lvl4pPr marL="1371600" algn="l" defTabSz="914400" rtl="0" eaLnBrk="1" latinLnBrk="0" hangingPunct="1">
+              <a:defRPr sz="1800" kern="1200">
+                <a:solidFill>
+                  <a:schemeClr val="lt1"/>
+                </a:solidFill>
+                <a:latin typeface="+mn-lt"/>
+                <a:ea typeface="+mn-ea"/>
+                <a:cs typeface="+mn-cs"/>
+              </a:defRPr>
+            </a:lvl4pPr>
+            <a:lvl5pPr marL="1828800" algn="l" defTabSz="914400" rtl="0" eaLnBrk="1" latinLnBrk="0" hangingPunct="1">
+              <a:defRPr sz="1800" kern="1200">
+                <a:solidFill>
+                  <a:schemeClr val="lt1"/>
+                </a:solidFill>
+                <a:latin typeface="+mn-lt"/>
+                <a:ea typeface="+mn-ea"/>
+                <a:cs typeface="+mn-cs"/>
+              </a:defRPr>
+            </a:lvl5pPr>
+            <a:lvl6pPr marL="2286000" algn="l" defTabSz="914400" rtl="0" eaLnBrk="1" latinLnBrk="0" hangingPunct="1">
+              <a:defRPr sz="1800" kern="1200">
+                <a:solidFill>
+                  <a:schemeClr val="lt1"/>
+                </a:solidFill>
+                <a:latin typeface="+mn-lt"/>
+                <a:ea typeface="+mn-ea"/>
+                <a:cs typeface="+mn-cs"/>
+              </a:defRPr>
+            </a:lvl6pPr>
+            <a:lvl7pPr marL="2743200" algn="l" defTabSz="914400" rtl="0" eaLnBrk="1" latinLnBrk="0" hangingPunct="1">
+              <a:defRPr sz="1800" kern="1200">
+                <a:solidFill>
+                  <a:schemeClr val="lt1"/>
+                </a:solidFill>
+                <a:latin typeface="+mn-lt"/>
+                <a:ea typeface="+mn-ea"/>
+                <a:cs typeface="+mn-cs"/>
+              </a:defRPr>
+            </a:lvl7pPr>
+            <a:lvl8pPr marL="3200400" algn="l" defTabSz="914400" rtl="0" eaLnBrk="1" latinLnBrk="0" hangingPunct="1">
+              <a:defRPr sz="1800" kern="1200">
+                <a:solidFill>
+                  <a:schemeClr val="lt1"/>
+                </a:solidFill>
+                <a:latin typeface="+mn-lt"/>
+                <a:ea typeface="+mn-ea"/>
+                <a:cs typeface="+mn-cs"/>
+              </a:defRPr>
+            </a:lvl8pPr>
+            <a:lvl9pPr marL="3657600" algn="l" defTabSz="914400" rtl="0" eaLnBrk="1" latinLnBrk="0" hangingPunct="1">
+              <a:defRPr sz="1800" kern="1200">
+                <a:solidFill>
+                  <a:schemeClr val="lt1"/>
+                </a:solidFill>
+                <a:latin typeface="+mn-lt"/>
+                <a:ea typeface="+mn-ea"/>
+                <a:cs typeface="+mn-cs"/>
+              </a:defRPr>
+            </a:lvl9pPr>
+          </a:lstStyle>
+          <a:p>
+            <a:pPr algn="ctr"/>
+            <a:r>
+              <a:rPr lang="en-US" sz="1200" dirty="0" smtClean="0"/>
+              <a:t>What </a:t>
+            </a:r>
+            <a:r>
+              <a:rPr lang="en-US" sz="1200" dirty="0"/>
+              <a:t>is </a:t>
+            </a:r>
+            <a:r>
+              <a:rPr lang="en-US" sz="1200" dirty="0" smtClean="0"/>
+              <a:t>Computer networking</a:t>
+            </a:r>
+            <a:endParaRPr lang="en-US" sz="1200" dirty="0"/>
+          </a:p>
+        </p:txBody>
+      </p:sp>
     </p:spTree>
     <p:extLst>
       <p:ext uri="{BB962C8B-B14F-4D97-AF65-F5344CB8AC3E}">
